--- a/github.pptx
+++ b/github.pptx
@@ -12734,7 +12734,7 @@
         </p:nvSpPr>
         <p:spPr>
           <a:xfrm>
-            <a:off x="437766" y="1180153"/>
+            <a:off x="437766" y="865445"/>
             <a:ext cx="8345488" cy="3335845"/>
           </a:xfrm>
         </p:spPr>
@@ -12872,24 +12872,9 @@
           <a:p>
             <a:r>
               <a:rPr lang="en-US" sz="2400" b="1" dirty="0" smtClean="0"/>
-              <a:t>Add </a:t>
-            </a:r>
-            <a:r>
-              <a:rPr lang="en-US" sz="2400" b="1" dirty="0" smtClean="0"/>
-              <a:t>&amp; Commit</a:t>
-            </a:r>
-            <a:r>
-              <a:rPr lang="en-US" sz="2400" dirty="0" smtClean="0"/>
-              <a:t> – </a:t>
-            </a:r>
-            <a:r>
-              <a:rPr lang="en-US" sz="2400" dirty="0" smtClean="0"/>
-              <a:t>Stage &amp; Submit to </a:t>
-            </a:r>
-            <a:r>
-              <a:rPr lang="en-US" sz="2400" dirty="0" smtClean="0"/>
-              <a:t>local repository</a:t>
-            </a:r>
+              <a:t>Add, Commit &amp; Push</a:t>
+            </a:r>
+            <a:endParaRPr lang="en-US" sz="2400" dirty="0" smtClean="0"/>
           </a:p>
           <a:p>
             <a:pPr marL="57136" indent="0">
@@ -12950,7 +12935,56 @@
               </a:rPr>
               <a:t>”</a:t>
             </a:r>
-            <a:endParaRPr lang="en-US" sz="1600" dirty="0" smtClean="0"/>
+          </a:p>
+          <a:p>
+            <a:pPr marL="57136" indent="0">
+              <a:buNone/>
+            </a:pPr>
+            <a:r>
+              <a:rPr lang="en-US" sz="1600" dirty="0">
+                <a:latin typeface="Courier New"/>
+                <a:cs typeface="Courier New"/>
+              </a:rPr>
+              <a:t>	</a:t>
+            </a:r>
+            <a:r>
+              <a:rPr lang="en-US" sz="1600" dirty="0" err="1">
+                <a:latin typeface="Courier New"/>
+                <a:cs typeface="Courier New"/>
+              </a:rPr>
+              <a:t>git</a:t>
+            </a:r>
+            <a:r>
+              <a:rPr lang="en-US" sz="1600" dirty="0">
+                <a:latin typeface="Courier New"/>
+                <a:cs typeface="Courier New"/>
+              </a:rPr>
+              <a:t> </a:t>
+            </a:r>
+            <a:r>
+              <a:rPr lang="en-US" sz="1600" dirty="0" smtClean="0">
+                <a:latin typeface="Courier New"/>
+                <a:cs typeface="Courier New"/>
+              </a:rPr>
+              <a:t>push origin master</a:t>
+            </a:r>
+            <a:r>
+              <a:rPr lang="en-US" sz="1600" dirty="0">
+                <a:latin typeface="Courier New"/>
+                <a:cs typeface="Courier New"/>
+              </a:rPr>
+              <a:t/>
+            </a:r>
+            <a:br>
+              <a:rPr lang="en-US" sz="1600" dirty="0">
+                <a:latin typeface="Courier New"/>
+                <a:cs typeface="Courier New"/>
+              </a:rPr>
+            </a:br>
+            <a:endParaRPr lang="en-US" sz="1600" dirty="0" smtClean="0">
+              <a:latin typeface="Courier New"/>
+              <a:cs typeface="Courier New"/>
+            </a:endParaRPr>
           </a:p>
         </p:txBody>
       </p:sp>
@@ -13082,7 +13116,7 @@
                 <a:latin typeface="Courier New"/>
                 <a:cs typeface="Courier New"/>
               </a:rPr>
-              <a:t> branch –b </a:t>
+              <a:t> checkout –b </a:t>
             </a:r>
             <a:r>
               <a:rPr lang="en-US" dirty="0" err="1" smtClean="0">
@@ -13299,41 +13333,82 @@
               <a:t>	</a:t>
             </a:r>
             <a:r>
-              <a:rPr lang="en-US" dirty="0" err="1">
+              <a:rPr lang="en-US" sz="1600" dirty="0" err="1" smtClean="0">
                 <a:latin typeface="Courier New"/>
                 <a:cs typeface="Courier New"/>
               </a:rPr>
               <a:t>git</a:t>
             </a:r>
             <a:r>
-              <a:rPr lang="en-US" dirty="0">
+              <a:rPr lang="en-US" sz="1600" dirty="0" smtClean="0">
                 <a:latin typeface="Courier New"/>
                 <a:cs typeface="Courier New"/>
               </a:rPr>
-              <a:t> </a:t>
+              <a:t> add .</a:t>
+            </a:r>
+            <a:r>
+              <a:rPr lang="en-US" sz="2400" dirty="0"/>
+              <a:t/>
+            </a:r>
+            <a:br>
+              <a:rPr lang="en-US" sz="2400" dirty="0"/>
+            </a:br>
+            <a:r>
+              <a:rPr lang="en-US" sz="2400" dirty="0" smtClean="0"/>
+              <a:t>	</a:t>
+            </a:r>
+            <a:r>
+              <a:rPr lang="en-US" dirty="0" err="1" smtClean="0">
+                <a:latin typeface="Courier New"/>
+                <a:cs typeface="Courier New"/>
+              </a:rPr>
+              <a:t>git</a:t>
             </a:r>
             <a:r>
               <a:rPr lang="en-US" dirty="0" smtClean="0">
                 <a:latin typeface="Courier New"/>
                 <a:cs typeface="Courier New"/>
               </a:rPr>
-              <a:t>commit –m “Comment on changes”</a:t>
-            </a:r>
-            <a:endParaRPr lang="en-US" sz="2400" dirty="0" smtClean="0"/>
-          </a:p>
-          <a:p>
-            <a:r>
-              <a:rPr lang="en-US" sz="2400" b="1" dirty="0" smtClean="0"/>
-              <a:t>Push</a:t>
-            </a:r>
-            <a:r>
-              <a:rPr lang="en-US" sz="2400" dirty="0" smtClean="0"/>
-              <a:t> – Submit changes to remote </a:t>
-            </a:r>
-            <a:r>
-              <a:rPr lang="en-US" sz="2400" dirty="0" smtClean="0"/>
-              <a:t>repository</a:t>
-            </a:r>
+              <a:t> commit –m “Comment on changes”</a:t>
+            </a:r>
+            <a:br>
+              <a:rPr lang="en-US" dirty="0" smtClean="0">
+                <a:latin typeface="Courier New"/>
+                <a:cs typeface="Courier New"/>
+              </a:rPr>
+            </a:br>
+            <a:r>
+              <a:rPr lang="en-US" dirty="0" smtClean="0">
+                <a:latin typeface="Courier New"/>
+                <a:cs typeface="Courier New"/>
+              </a:rPr>
+              <a:t>	</a:t>
+            </a:r>
+            <a:r>
+              <a:rPr lang="en-US" dirty="0" err="1" smtClean="0">
+                <a:latin typeface="Courier New"/>
+                <a:cs typeface="Courier New"/>
+              </a:rPr>
+              <a:t>git</a:t>
+            </a:r>
+            <a:r>
+              <a:rPr lang="en-US" dirty="0" smtClean="0">
+                <a:latin typeface="Courier New"/>
+                <a:cs typeface="Courier New"/>
+              </a:rPr>
+              <a:t> push origin </a:t>
+            </a:r>
+            <a:r>
+              <a:rPr lang="en-US" dirty="0" err="1" smtClean="0">
+                <a:latin typeface="Courier New"/>
+                <a:cs typeface="Courier New"/>
+              </a:rPr>
+              <a:t>newFeature</a:t>
+            </a:r>
+            <a:endParaRPr lang="en-US" dirty="0" smtClean="0">
+              <a:latin typeface="Courier New"/>
+              <a:cs typeface="Courier New"/>
+            </a:endParaRPr>
           </a:p>
           <a:p>
             <a:pPr marL="57136" lvl="1" indent="0">
@@ -13343,6 +13418,106 @@
               <a:buNone/>
             </a:pPr>
             <a:r>
+              <a:rPr lang="en-US" sz="2400" dirty="0" smtClean="0">
+                <a:latin typeface="Arial"/>
+                <a:cs typeface="Arial"/>
+              </a:rPr>
+              <a:t>Merge with Master</a:t>
+            </a:r>
+          </a:p>
+          <a:p>
+            <a:pPr marL="57136" lvl="1" indent="0">
+              <a:spcBef>
+                <a:spcPts val="1110"/>
+              </a:spcBef>
+              <a:buNone/>
+            </a:pPr>
+            <a:r>
+              <a:rPr lang="en-US" sz="2400" dirty="0">
+                <a:latin typeface="Courier New"/>
+                <a:cs typeface="Courier New"/>
+              </a:rPr>
+              <a:t>	</a:t>
+            </a:r>
+            <a:r>
+              <a:rPr lang="en-US" sz="1600" dirty="0" err="1" smtClean="0">
+                <a:latin typeface="Courier New"/>
+                <a:cs typeface="Courier New"/>
+              </a:rPr>
+              <a:t>git</a:t>
+            </a:r>
+            <a:r>
+              <a:rPr lang="en-US" sz="1600" dirty="0">
+                <a:latin typeface="Courier New"/>
+                <a:cs typeface="Courier New"/>
+              </a:rPr>
+              <a:t> </a:t>
+            </a:r>
+            <a:r>
+              <a:rPr lang="en-US" sz="1600" dirty="0" smtClean="0">
+                <a:latin typeface="Courier New"/>
+                <a:cs typeface="Courier New"/>
+              </a:rPr>
+              <a:t>checkout master</a:t>
+            </a:r>
+            <a:br>
+              <a:rPr lang="en-US" sz="1600" dirty="0" smtClean="0">
+                <a:latin typeface="Courier New"/>
+                <a:cs typeface="Courier New"/>
+              </a:rPr>
+            </a:br>
+            <a:r>
+              <a:rPr lang="en-US" sz="1600" dirty="0" smtClean="0">
+                <a:latin typeface="Courier New"/>
+                <a:cs typeface="Courier New"/>
+              </a:rPr>
+              <a:t>	</a:t>
+            </a:r>
+            <a:r>
+              <a:rPr lang="en-US" sz="1600" dirty="0" err="1" smtClean="0">
+                <a:latin typeface="Courier New"/>
+                <a:cs typeface="Courier New"/>
+              </a:rPr>
+              <a:t>git</a:t>
+            </a:r>
+            <a:r>
+              <a:rPr lang="en-US" sz="1600" dirty="0" smtClean="0">
+                <a:latin typeface="Courier New"/>
+                <a:cs typeface="Courier New"/>
+              </a:rPr>
+              <a:t> merge </a:t>
+            </a:r>
+            <a:r>
+              <a:rPr lang="en-US" sz="1600" dirty="0" err="1" smtClean="0">
+                <a:latin typeface="Courier New"/>
+                <a:cs typeface="Courier New"/>
+              </a:rPr>
+              <a:t>newFeature</a:t>
+            </a:r>
+            <a:endParaRPr lang="en-US" sz="1600" dirty="0" smtClean="0"/>
+          </a:p>
+          <a:p>
+            <a:r>
+              <a:rPr lang="en-US" sz="2400" b="1" dirty="0" smtClean="0"/>
+              <a:t>Push</a:t>
+            </a:r>
+            <a:r>
+              <a:rPr lang="en-US" sz="2400" dirty="0" smtClean="0"/>
+              <a:t> – Submit changes to remote </a:t>
+            </a:r>
+            <a:r>
+              <a:rPr lang="en-US" sz="2400" dirty="0" smtClean="0"/>
+              <a:t>repository</a:t>
+            </a:r>
+          </a:p>
+          <a:p>
+            <a:pPr marL="57136" lvl="1" indent="0">
+              <a:spcBef>
+                <a:spcPts val="1110"/>
+              </a:spcBef>
+              <a:buNone/>
+            </a:pPr>
+            <a:r>
               <a:rPr lang="en-US" sz="2400" dirty="0"/>
               <a:t>	</a:t>
             </a:r>
@@ -13365,7 +13540,34 @@
                 <a:latin typeface="Courier New"/>
                 <a:cs typeface="Courier New"/>
               </a:rPr>
-              <a:t>push origin </a:t>
+              <a:t>push origin master</a:t>
+            </a:r>
+            <a:br>
+              <a:rPr lang="en-US" dirty="0" smtClean="0">
+                <a:latin typeface="Courier New"/>
+                <a:cs typeface="Courier New"/>
+              </a:rPr>
+            </a:br>
+            <a:r>
+              <a:rPr lang="en-US" dirty="0" smtClean="0">
+                <a:latin typeface="Courier New"/>
+                <a:cs typeface="Courier New"/>
+              </a:rPr>
+              <a:t>	</a:t>
+            </a:r>
+            <a:r>
+              <a:rPr lang="en-US" dirty="0" err="1" smtClean="0">
+                <a:latin typeface="Courier New"/>
+                <a:cs typeface="Courier New"/>
+              </a:rPr>
+              <a:t>git</a:t>
+            </a:r>
+            <a:r>
+              <a:rPr lang="en-US" dirty="0" smtClean="0">
+                <a:latin typeface="Courier New"/>
+                <a:cs typeface="Courier New"/>
+              </a:rPr>
+              <a:t> branch –d </a:t>
             </a:r>
             <a:r>
               <a:rPr lang="en-US" dirty="0" err="1" smtClean="0">
@@ -14325,6 +14527,45 @@
               <a:rPr lang="en-US" dirty="0" smtClean="0">
                 <a:hlinkClick r:id="rId5"/>
               </a:rPr>
+              <a:t>/</a:t>
+            </a:r>
+            <a:endParaRPr lang="en-US" dirty="0" smtClean="0"/>
+          </a:p>
+          <a:p>
+            <a:r>
+              <a:rPr lang="en-US" dirty="0" smtClean="0"/>
+              <a:t>Greg’s </a:t>
+            </a:r>
+            <a:r>
+              <a:rPr lang="en-US" dirty="0" err="1" smtClean="0"/>
+              <a:t>Git</a:t>
+            </a:r>
+            <a:r>
+              <a:rPr lang="en-US" dirty="0" smtClean="0"/>
+              <a:t> </a:t>
+            </a:r>
+            <a:r>
+              <a:rPr lang="en-US" dirty="0" err="1" smtClean="0"/>
+              <a:t>Blogpost</a:t>
+            </a:r>
+            <a:r>
+              <a:rPr lang="en-US" dirty="0"/>
+              <a:t> - http://</a:t>
+            </a:r>
+            <a:r>
+              <a:rPr lang="en-US" dirty="0" err="1"/>
+              <a:t>flnkr.com</a:t>
+            </a:r>
+            <a:r>
+              <a:rPr lang="en-US" dirty="0"/>
+              <a:t>/2016/03/</a:t>
+            </a:r>
+            <a:r>
+              <a:rPr lang="en-US" dirty="0" err="1"/>
+              <a:t>bitbucket</a:t>
+            </a:r>
+            <a:r>
+              <a:rPr lang="en-US" dirty="0"/>
               <a:t>/</a:t>
             </a:r>
             <a:endParaRPr lang="en-US" dirty="0" smtClean="0"/>
